--- a/8.PartitionsLVMFilesystems/08-PartitionsLVMFileSystems.pptx
+++ b/8.PartitionsLVMFilesystems/08-PartitionsLVMFileSystems.pptx
@@ -13,6 +13,9 @@
     <p:sldId id="278" r:id="rId7"/>
     <p:sldId id="279" r:id="rId8"/>
     <p:sldId id="266" r:id="rId9"/>
+    <p:sldId id="280" r:id="rId10"/>
+    <p:sldId id="281" r:id="rId11"/>
+    <p:sldId id="282" r:id="rId12"/>
   </p:sldIdLst>
   <p:sldSz cx="9144000" cy="6858000" type="screen4x3"/>
   <p:notesSz cx="6858000" cy="9144000"/>
@@ -311,7 +314,7 @@
           <a:p>
             <a:fld id="{3EA744D9-3FBE-48D8-BF2A-85DF203E4D20}" type="datetimeFigureOut">
               <a:rPr lang="bg-BG" smtClean="0"/>
-              <a:t>8.12.2016 г.</a:t>
+              <a:t>13.12.2016 г.</a:t>
             </a:fld>
             <a:endParaRPr lang="bg-BG"/>
           </a:p>
@@ -481,7 +484,7 @@
           <a:p>
             <a:fld id="{3EA744D9-3FBE-48D8-BF2A-85DF203E4D20}" type="datetimeFigureOut">
               <a:rPr lang="bg-BG" smtClean="0"/>
-              <a:t>8.12.2016 г.</a:t>
+              <a:t>13.12.2016 г.</a:t>
             </a:fld>
             <a:endParaRPr lang="bg-BG"/>
           </a:p>
@@ -661,7 +664,7 @@
           <a:p>
             <a:fld id="{3EA744D9-3FBE-48D8-BF2A-85DF203E4D20}" type="datetimeFigureOut">
               <a:rPr lang="bg-BG" smtClean="0"/>
-              <a:t>8.12.2016 г.</a:t>
+              <a:t>13.12.2016 г.</a:t>
             </a:fld>
             <a:endParaRPr lang="bg-BG"/>
           </a:p>
@@ -831,7 +834,7 @@
           <a:p>
             <a:fld id="{3EA744D9-3FBE-48D8-BF2A-85DF203E4D20}" type="datetimeFigureOut">
               <a:rPr lang="bg-BG" smtClean="0"/>
-              <a:t>8.12.2016 г.</a:t>
+              <a:t>13.12.2016 г.</a:t>
             </a:fld>
             <a:endParaRPr lang="bg-BG"/>
           </a:p>
@@ -1077,7 +1080,7 @@
           <a:p>
             <a:fld id="{3EA744D9-3FBE-48D8-BF2A-85DF203E4D20}" type="datetimeFigureOut">
               <a:rPr lang="bg-BG" smtClean="0"/>
-              <a:t>8.12.2016 г.</a:t>
+              <a:t>13.12.2016 г.</a:t>
             </a:fld>
             <a:endParaRPr lang="bg-BG"/>
           </a:p>
@@ -1365,7 +1368,7 @@
           <a:p>
             <a:fld id="{3EA744D9-3FBE-48D8-BF2A-85DF203E4D20}" type="datetimeFigureOut">
               <a:rPr lang="bg-BG" smtClean="0"/>
-              <a:t>8.12.2016 г.</a:t>
+              <a:t>13.12.2016 г.</a:t>
             </a:fld>
             <a:endParaRPr lang="bg-BG"/>
           </a:p>
@@ -1787,7 +1790,7 @@
           <a:p>
             <a:fld id="{3EA744D9-3FBE-48D8-BF2A-85DF203E4D20}" type="datetimeFigureOut">
               <a:rPr lang="bg-BG" smtClean="0"/>
-              <a:t>8.12.2016 г.</a:t>
+              <a:t>13.12.2016 г.</a:t>
             </a:fld>
             <a:endParaRPr lang="bg-BG"/>
           </a:p>
@@ -1905,7 +1908,7 @@
           <a:p>
             <a:fld id="{3EA744D9-3FBE-48D8-BF2A-85DF203E4D20}" type="datetimeFigureOut">
               <a:rPr lang="bg-BG" smtClean="0"/>
-              <a:t>8.12.2016 г.</a:t>
+              <a:t>13.12.2016 г.</a:t>
             </a:fld>
             <a:endParaRPr lang="bg-BG"/>
           </a:p>
@@ -2000,7 +2003,7 @@
           <a:p>
             <a:fld id="{3EA744D9-3FBE-48D8-BF2A-85DF203E4D20}" type="datetimeFigureOut">
               <a:rPr lang="bg-BG" smtClean="0"/>
-              <a:t>8.12.2016 г.</a:t>
+              <a:t>13.12.2016 г.</a:t>
             </a:fld>
             <a:endParaRPr lang="bg-BG"/>
           </a:p>
@@ -2277,7 +2280,7 @@
           <a:p>
             <a:fld id="{3EA744D9-3FBE-48D8-BF2A-85DF203E4D20}" type="datetimeFigureOut">
               <a:rPr lang="bg-BG" smtClean="0"/>
-              <a:t>8.12.2016 г.</a:t>
+              <a:t>13.12.2016 г.</a:t>
             </a:fld>
             <a:endParaRPr lang="bg-BG"/>
           </a:p>
@@ -2530,7 +2533,7 @@
           <a:p>
             <a:fld id="{3EA744D9-3FBE-48D8-BF2A-85DF203E4D20}" type="datetimeFigureOut">
               <a:rPr lang="bg-BG" smtClean="0"/>
-              <a:t>8.12.2016 г.</a:t>
+              <a:t>13.12.2016 г.</a:t>
             </a:fld>
             <a:endParaRPr lang="bg-BG"/>
           </a:p>
@@ -2752,7 +2755,7 @@
           <a:p>
             <a:fld id="{3EA744D9-3FBE-48D8-BF2A-85DF203E4D20}" type="datetimeFigureOut">
               <a:rPr lang="bg-BG" smtClean="0"/>
-              <a:t>8.12.2016 г.</a:t>
+              <a:t>13.12.2016 г.</a:t>
             </a:fld>
             <a:endParaRPr lang="bg-BG"/>
           </a:p>
@@ -3732,6 +3735,870 @@
 </p:sld>
 </file>
 
+<file path=ppt/slides/slide10.xml><?xml version="1.0" encoding="utf-8"?>
+<p:sld xmlns:a="http://schemas.openxmlformats.org/drawingml/2006/main" xmlns:r="http://schemas.openxmlformats.org/officeDocument/2006/relationships" xmlns:p="http://schemas.openxmlformats.org/presentationml/2006/main">
+  <p:cSld>
+    <p:spTree>
+      <p:nvGrpSpPr>
+        <p:cNvPr id="1" name=""/>
+        <p:cNvGrpSpPr/>
+        <p:nvPr/>
+      </p:nvGrpSpPr>
+      <p:grpSpPr>
+        <a:xfrm>
+          <a:off x="0" y="0"/>
+          <a:ext cx="0" cy="0"/>
+          <a:chOff x="0" y="0"/>
+          <a:chExt cx="0" cy="0"/>
+        </a:xfrm>
+      </p:grpSpPr>
+      <p:sp>
+        <p:nvSpPr>
+          <p:cNvPr id="2" name="Title 1"/>
+          <p:cNvSpPr>
+            <a:spLocks noGrp="1"/>
+          </p:cNvSpPr>
+          <p:nvPr>
+            <p:ph type="title"/>
+          </p:nvPr>
+        </p:nvSpPr>
+        <p:spPr/>
+        <p:txBody>
+          <a:bodyPr>
+            <a:noAutofit/>
+          </a:bodyPr>
+          <a:lstStyle/>
+          <a:p>
+            <a:r>
+              <a:rPr lang="en-US" sz="1400" dirty="0" smtClean="0">
+                <a:solidFill>
+                  <a:schemeClr val="accent6"/>
+                </a:solidFill>
+              </a:rPr>
+              <a:t/>
+            </a:r>
+            <a:br>
+              <a:rPr lang="en-US" sz="1400" dirty="0" smtClean="0">
+                <a:solidFill>
+                  <a:schemeClr val="accent6"/>
+                </a:solidFill>
+              </a:rPr>
+            </a:br>
+            <a:r>
+              <a:rPr lang="en-US" sz="1400" dirty="0">
+                <a:solidFill>
+                  <a:schemeClr val="accent6"/>
+                </a:solidFill>
+              </a:rPr>
+              <a:t/>
+            </a:r>
+            <a:br>
+              <a:rPr lang="en-US" sz="1400" dirty="0">
+                <a:solidFill>
+                  <a:schemeClr val="accent6"/>
+                </a:solidFill>
+              </a:rPr>
+            </a:br>
+            <a:r>
+              <a:rPr lang="en-US" sz="1400" dirty="0" smtClean="0">
+                <a:solidFill>
+                  <a:schemeClr val="accent6"/>
+                </a:solidFill>
+              </a:rPr>
+              <a:t/>
+            </a:r>
+            <a:br>
+              <a:rPr lang="en-US" sz="1400" dirty="0" smtClean="0">
+                <a:solidFill>
+                  <a:schemeClr val="accent6"/>
+                </a:solidFill>
+              </a:rPr>
+            </a:br>
+            <a:r>
+              <a:rPr lang="en-US" sz="1400" dirty="0">
+                <a:solidFill>
+                  <a:schemeClr val="accent6"/>
+                </a:solidFill>
+              </a:rPr>
+              <a:t/>
+            </a:r>
+            <a:br>
+              <a:rPr lang="en-US" sz="1400" dirty="0">
+                <a:solidFill>
+                  <a:schemeClr val="accent6"/>
+                </a:solidFill>
+              </a:rPr>
+            </a:br>
+            <a:r>
+              <a:rPr lang="en-US" sz="1400" dirty="0" smtClean="0">
+                <a:solidFill>
+                  <a:schemeClr val="accent6"/>
+                </a:solidFill>
+              </a:rPr>
+              <a:t/>
+            </a:r>
+            <a:br>
+              <a:rPr lang="en-US" sz="1400" dirty="0" smtClean="0">
+                <a:solidFill>
+                  <a:schemeClr val="accent6"/>
+                </a:solidFill>
+              </a:rPr>
+            </a:br>
+            <a:r>
+              <a:rPr lang="en-US" sz="1400" dirty="0">
+                <a:solidFill>
+                  <a:schemeClr val="accent6"/>
+                </a:solidFill>
+              </a:rPr>
+              <a:t/>
+            </a:r>
+            <a:br>
+              <a:rPr lang="en-US" sz="1400" dirty="0">
+                <a:solidFill>
+                  <a:schemeClr val="accent6"/>
+                </a:solidFill>
+              </a:rPr>
+            </a:br>
+            <a:r>
+              <a:rPr lang="en-US" sz="1400" dirty="0" smtClean="0">
+                <a:solidFill>
+                  <a:schemeClr val="accent6"/>
+                </a:solidFill>
+              </a:rPr>
+              <a:t/>
+            </a:r>
+            <a:br>
+              <a:rPr lang="en-US" sz="1400" dirty="0" smtClean="0">
+                <a:solidFill>
+                  <a:schemeClr val="accent6"/>
+                </a:solidFill>
+              </a:rPr>
+            </a:br>
+            <a:r>
+              <a:rPr lang="en-US" sz="1400" dirty="0">
+                <a:solidFill>
+                  <a:schemeClr val="accent6"/>
+                </a:solidFill>
+              </a:rPr>
+              <a:t/>
+            </a:r>
+            <a:br>
+              <a:rPr lang="en-US" sz="1400" dirty="0">
+                <a:solidFill>
+                  <a:schemeClr val="accent6"/>
+                </a:solidFill>
+              </a:rPr>
+            </a:br>
+            <a:r>
+              <a:rPr lang="en-US" sz="1400" dirty="0" smtClean="0">
+                <a:solidFill>
+                  <a:schemeClr val="accent6"/>
+                </a:solidFill>
+              </a:rPr>
+              <a:t/>
+            </a:r>
+            <a:br>
+              <a:rPr lang="en-US" sz="1400" dirty="0" smtClean="0">
+                <a:solidFill>
+                  <a:schemeClr val="accent6"/>
+                </a:solidFill>
+              </a:rPr>
+            </a:br>
+            <a:r>
+              <a:rPr lang="en-US" sz="1400" dirty="0">
+                <a:solidFill>
+                  <a:schemeClr val="accent6"/>
+                </a:solidFill>
+              </a:rPr>
+              <a:t/>
+            </a:r>
+            <a:br>
+              <a:rPr lang="en-US" sz="1400" dirty="0">
+                <a:solidFill>
+                  <a:schemeClr val="accent6"/>
+                </a:solidFill>
+              </a:rPr>
+            </a:br>
+            <a:r>
+              <a:rPr lang="en-US" sz="1400" dirty="0" smtClean="0">
+                <a:solidFill>
+                  <a:schemeClr val="accent6"/>
+                </a:solidFill>
+              </a:rPr>
+              <a:t/>
+            </a:r>
+            <a:br>
+              <a:rPr lang="en-US" sz="1400" dirty="0" smtClean="0">
+                <a:solidFill>
+                  <a:schemeClr val="accent6"/>
+                </a:solidFill>
+              </a:rPr>
+            </a:br>
+            <a:r>
+              <a:rPr lang="en-US" sz="1400" dirty="0">
+                <a:solidFill>
+                  <a:schemeClr val="accent6"/>
+                </a:solidFill>
+              </a:rPr>
+              <a:t/>
+            </a:r>
+            <a:br>
+              <a:rPr lang="en-US" sz="1400" dirty="0">
+                <a:solidFill>
+                  <a:schemeClr val="accent6"/>
+                </a:solidFill>
+              </a:rPr>
+            </a:br>
+            <a:r>
+              <a:rPr lang="en-US" sz="1400" dirty="0" smtClean="0">
+                <a:solidFill>
+                  <a:schemeClr val="accent6"/>
+                </a:solidFill>
+              </a:rPr>
+              <a:t/>
+            </a:r>
+            <a:br>
+              <a:rPr lang="en-US" sz="1400" dirty="0" smtClean="0">
+                <a:solidFill>
+                  <a:schemeClr val="accent6"/>
+                </a:solidFill>
+              </a:rPr>
+            </a:br>
+            <a:r>
+              <a:rPr lang="en-US" sz="1400" dirty="0">
+                <a:solidFill>
+                  <a:schemeClr val="accent6"/>
+                </a:solidFill>
+              </a:rPr>
+              <a:t/>
+            </a:r>
+            <a:br>
+              <a:rPr lang="en-US" sz="1400" dirty="0">
+                <a:solidFill>
+                  <a:schemeClr val="accent6"/>
+                </a:solidFill>
+              </a:rPr>
+            </a:br>
+            <a:r>
+              <a:rPr lang="en-US" sz="1400" dirty="0" smtClean="0">
+                <a:solidFill>
+                  <a:srgbClr val="FF0000"/>
+                </a:solidFill>
+              </a:rPr>
+              <a:t>Exercises:</a:t>
+            </a:r>
+            <a:r>
+              <a:rPr lang="en-US" sz="1400" dirty="0" smtClean="0">
+                <a:solidFill>
+                  <a:schemeClr val="accent6"/>
+                </a:solidFill>
+              </a:rPr>
+              <a:t/>
+            </a:r>
+            <a:br>
+              <a:rPr lang="en-US" sz="1400" dirty="0" smtClean="0">
+                <a:solidFill>
+                  <a:schemeClr val="accent6"/>
+                </a:solidFill>
+              </a:rPr>
+            </a:br>
+            <a:r>
+              <a:rPr lang="en-US" sz="1400" dirty="0" smtClean="0">
+                <a:solidFill>
+                  <a:schemeClr val="accent6"/>
+                </a:solidFill>
+              </a:rPr>
+              <a:t>1. Add 2 disks to the OS</a:t>
+            </a:r>
+            <a:br>
+              <a:rPr lang="en-US" sz="1400" dirty="0" smtClean="0">
+                <a:solidFill>
+                  <a:schemeClr val="accent6"/>
+                </a:solidFill>
+              </a:rPr>
+            </a:br>
+            <a:r>
+              <a:rPr lang="en-US" sz="1400" dirty="0" smtClean="0">
+                <a:solidFill>
+                  <a:schemeClr val="accent6"/>
+                </a:solidFill>
+              </a:rPr>
+              <a:t>2. Man ‘</a:t>
+            </a:r>
+            <a:r>
+              <a:rPr lang="en-US" sz="1400" dirty="0" err="1" smtClean="0">
+                <a:solidFill>
+                  <a:schemeClr val="accent6"/>
+                </a:solidFill>
+              </a:rPr>
+              <a:t>pvcreate</a:t>
+            </a:r>
+            <a:r>
+              <a:rPr lang="en-US" sz="1400" dirty="0" smtClean="0">
+                <a:solidFill>
+                  <a:schemeClr val="accent6"/>
+                </a:solidFill>
+              </a:rPr>
+              <a:t>’</a:t>
+            </a:r>
+            <a:br>
+              <a:rPr lang="en-US" sz="1400" dirty="0" smtClean="0">
+                <a:solidFill>
+                  <a:schemeClr val="accent6"/>
+                </a:solidFill>
+              </a:rPr>
+            </a:br>
+            <a:r>
+              <a:rPr lang="en-US" sz="1400" dirty="0" smtClean="0">
+                <a:solidFill>
+                  <a:schemeClr val="accent6"/>
+                </a:solidFill>
+              </a:rPr>
+              <a:t>3. Man ‘</a:t>
+            </a:r>
+            <a:r>
+              <a:rPr lang="en-US" sz="1400" dirty="0" err="1" smtClean="0">
+                <a:solidFill>
+                  <a:schemeClr val="accent6"/>
+                </a:solidFill>
+              </a:rPr>
+              <a:t>vgcreate</a:t>
+            </a:r>
+            <a:r>
+              <a:rPr lang="en-US" sz="1400" dirty="0" smtClean="0">
+                <a:solidFill>
+                  <a:schemeClr val="accent6"/>
+                </a:solidFill>
+              </a:rPr>
+              <a:t>’</a:t>
+            </a:r>
+            <a:br>
+              <a:rPr lang="en-US" sz="1400" dirty="0" smtClean="0">
+                <a:solidFill>
+                  <a:schemeClr val="accent6"/>
+                </a:solidFill>
+              </a:rPr>
+            </a:br>
+            <a:r>
+              <a:rPr lang="en-US" sz="1400" dirty="0" smtClean="0">
+                <a:solidFill>
+                  <a:schemeClr val="accent6"/>
+                </a:solidFill>
+              </a:rPr>
+              <a:t>4. Man ‘</a:t>
+            </a:r>
+            <a:r>
+              <a:rPr lang="en-US" sz="1400" dirty="0" err="1" smtClean="0">
+                <a:solidFill>
+                  <a:schemeClr val="accent6"/>
+                </a:solidFill>
+              </a:rPr>
+              <a:t>lvcreate</a:t>
+            </a:r>
+            <a:r>
+              <a:rPr lang="en-US" sz="1400" dirty="0" smtClean="0">
+                <a:solidFill>
+                  <a:schemeClr val="accent6"/>
+                </a:solidFill>
+              </a:rPr>
+              <a:t>’</a:t>
+            </a:r>
+            <a:br>
+              <a:rPr lang="en-US" sz="1400" dirty="0" smtClean="0">
+                <a:solidFill>
+                  <a:schemeClr val="accent6"/>
+                </a:solidFill>
+              </a:rPr>
+            </a:br>
+            <a:r>
+              <a:rPr lang="en-US" sz="1400" dirty="0" smtClean="0">
+                <a:solidFill>
+                  <a:schemeClr val="accent6"/>
+                </a:solidFill>
+              </a:rPr>
+              <a:t>5. Create a volume group of the two disks called ‘container’, make 3 logical volumes out of it called ‘logical_volume_1’, ‘logical_volume_2’ and ‘logical_volume_3’</a:t>
+            </a:r>
+            <a:br>
+              <a:rPr lang="en-US" sz="1400" dirty="0" smtClean="0">
+                <a:solidFill>
+                  <a:schemeClr val="accent6"/>
+                </a:solidFill>
+              </a:rPr>
+            </a:br>
+            <a:r>
+              <a:rPr lang="en-US" sz="1400" dirty="0" smtClean="0">
+                <a:solidFill>
+                  <a:schemeClr val="accent6"/>
+                </a:solidFill>
+              </a:rPr>
+              <a:t/>
+            </a:r>
+            <a:br>
+              <a:rPr lang="en-US" sz="1400" dirty="0" smtClean="0">
+                <a:solidFill>
+                  <a:schemeClr val="accent6"/>
+                </a:solidFill>
+              </a:rPr>
+            </a:br>
+            <a:r>
+              <a:rPr lang="en-US" sz="1400" dirty="0">
+                <a:solidFill>
+                  <a:schemeClr val="accent6"/>
+                </a:solidFill>
+              </a:rPr>
+              <a:t/>
+            </a:r>
+            <a:br>
+              <a:rPr lang="en-US" sz="1400" dirty="0">
+                <a:solidFill>
+                  <a:schemeClr val="accent6"/>
+                </a:solidFill>
+              </a:rPr>
+            </a:br>
+            <a:r>
+              <a:rPr lang="en-US" sz="1400" dirty="0" smtClean="0">
+                <a:solidFill>
+                  <a:schemeClr val="accent6"/>
+                </a:solidFill>
+              </a:rPr>
+              <a:t>Why LVM is great ? </a:t>
+            </a:r>
+            <a:br>
+              <a:rPr lang="en-US" sz="1400" dirty="0" smtClean="0">
+                <a:solidFill>
+                  <a:schemeClr val="accent6"/>
+                </a:solidFill>
+              </a:rPr>
+            </a:br>
+            <a:r>
+              <a:rPr lang="en-US" sz="1400" dirty="0" smtClean="0">
+                <a:solidFill>
+                  <a:schemeClr val="accent6"/>
+                </a:solidFill>
+              </a:rPr>
+              <a:t>Discussion!</a:t>
+            </a:r>
+            <a:br>
+              <a:rPr lang="en-US" sz="1400" dirty="0" smtClean="0">
+                <a:solidFill>
+                  <a:schemeClr val="accent6"/>
+                </a:solidFill>
+              </a:rPr>
+            </a:br>
+            <a:r>
+              <a:rPr lang="en-US" sz="1400" dirty="0" smtClean="0">
+                <a:solidFill>
+                  <a:schemeClr val="accent6"/>
+                </a:solidFill>
+              </a:rPr>
+              <a:t/>
+            </a:r>
+            <a:br>
+              <a:rPr lang="en-US" sz="1400" dirty="0" smtClean="0">
+                <a:solidFill>
+                  <a:schemeClr val="accent6"/>
+                </a:solidFill>
+              </a:rPr>
+            </a:br>
+            <a:r>
+              <a:rPr lang="en-US" sz="1400" dirty="0" smtClean="0">
+                <a:solidFill>
+                  <a:schemeClr val="accent6"/>
+                </a:solidFill>
+              </a:rPr>
+              <a:t>Answers:</a:t>
+            </a:r>
+            <a:br>
+              <a:rPr lang="en-US" sz="1400" dirty="0" smtClean="0">
+                <a:solidFill>
+                  <a:schemeClr val="accent6"/>
+                </a:solidFill>
+              </a:rPr>
+            </a:br>
+            <a:r>
+              <a:rPr lang="en-US" sz="1400" dirty="0" smtClean="0">
+                <a:solidFill>
+                  <a:schemeClr val="accent6"/>
+                </a:solidFill>
+              </a:rPr>
+              <a:t>1. Flexible solution for managing storage.</a:t>
+            </a:r>
+            <a:br>
+              <a:rPr lang="en-US" sz="1400" dirty="0" smtClean="0">
+                <a:solidFill>
+                  <a:schemeClr val="accent6"/>
+                </a:solidFill>
+              </a:rPr>
+            </a:br>
+            <a:r>
+              <a:rPr lang="en-US" sz="1400" dirty="0" smtClean="0">
+                <a:solidFill>
+                  <a:schemeClr val="accent6"/>
+                </a:solidFill>
+              </a:rPr>
+              <a:t>2. Support for </a:t>
+            </a:r>
+            <a:r>
+              <a:rPr lang="en-US" sz="1400" dirty="0" err="1" smtClean="0">
+                <a:solidFill>
+                  <a:schemeClr val="accent6"/>
+                </a:solidFill>
+              </a:rPr>
+              <a:t>snapshost</a:t>
+            </a:r>
+            <a:r>
+              <a:rPr lang="en-US" sz="1400" dirty="0" smtClean="0">
+                <a:solidFill>
+                  <a:schemeClr val="accent6"/>
+                </a:solidFill>
+              </a:rPr>
+              <a:t> ( a snapshot keeps the current state of a logical volume and can be used t </a:t>
+            </a:r>
+            <a:r>
+              <a:rPr lang="en-US" sz="1400" dirty="0" err="1" smtClean="0">
+                <a:solidFill>
+                  <a:schemeClr val="accent6"/>
+                </a:solidFill>
+              </a:rPr>
+              <a:t>orevert</a:t>
+            </a:r>
+            <a:r>
+              <a:rPr lang="en-US" sz="1400" dirty="0" smtClean="0">
+                <a:solidFill>
+                  <a:schemeClr val="accent6"/>
+                </a:solidFill>
+              </a:rPr>
+              <a:t> to a previous situation or to make a backup of the file system on the logical volume )</a:t>
+            </a:r>
+            <a:br>
+              <a:rPr lang="en-US" sz="1400" dirty="0" smtClean="0">
+                <a:solidFill>
+                  <a:schemeClr val="accent6"/>
+                </a:solidFill>
+              </a:rPr>
+            </a:br>
+            <a:r>
+              <a:rPr lang="en-US" sz="1400" dirty="0" smtClean="0">
+                <a:solidFill>
+                  <a:schemeClr val="accent6"/>
+                </a:solidFill>
+              </a:rPr>
+              <a:t>3. Replace failed hardware easily(man </a:t>
+            </a:r>
+            <a:r>
+              <a:rPr lang="en-US" sz="1400" dirty="0" err="1" smtClean="0">
+                <a:solidFill>
+                  <a:schemeClr val="accent6"/>
+                </a:solidFill>
+              </a:rPr>
+              <a:t>pvmove</a:t>
+            </a:r>
+            <a:r>
+              <a:rPr lang="en-US" sz="1400" dirty="0" smtClean="0">
+                <a:solidFill>
+                  <a:schemeClr val="accent6"/>
+                </a:solidFill>
+              </a:rPr>
+              <a:t>)</a:t>
+            </a:r>
+            <a:br>
+              <a:rPr lang="en-US" sz="1400" dirty="0" smtClean="0">
+                <a:solidFill>
+                  <a:schemeClr val="accent6"/>
+                </a:solidFill>
+              </a:rPr>
+            </a:br>
+            <a:r>
+              <a:rPr lang="en-US" sz="1400" dirty="0" smtClean="0">
+                <a:solidFill>
+                  <a:schemeClr val="accent6"/>
+                </a:solidFill>
+              </a:rPr>
+              <a:t>4. For now, focus on just 1.</a:t>
+            </a:r>
+            <a:endParaRPr lang="en-US" sz="1400" dirty="0">
+              <a:solidFill>
+                <a:schemeClr val="accent6"/>
+              </a:solidFill>
+            </a:endParaRPr>
+          </a:p>
+        </p:txBody>
+      </p:sp>
+    </p:spTree>
+    <p:extLst>
+      <p:ext uri="{BB962C8B-B14F-4D97-AF65-F5344CB8AC3E}">
+        <p14:creationId xmlns:p14="http://schemas.microsoft.com/office/powerpoint/2010/main" val="306140353"/>
+      </p:ext>
+    </p:extLst>
+  </p:cSld>
+  <p:clrMapOvr>
+    <a:masterClrMapping/>
+  </p:clrMapOvr>
+</p:sld>
+</file>
+
+<file path=ppt/slides/slide11.xml><?xml version="1.0" encoding="utf-8"?>
+<p:sld xmlns:a="http://schemas.openxmlformats.org/drawingml/2006/main" xmlns:r="http://schemas.openxmlformats.org/officeDocument/2006/relationships" xmlns:p="http://schemas.openxmlformats.org/presentationml/2006/main">
+  <p:cSld>
+    <p:spTree>
+      <p:nvGrpSpPr>
+        <p:cNvPr id="1" name=""/>
+        <p:cNvGrpSpPr/>
+        <p:nvPr/>
+      </p:nvGrpSpPr>
+      <p:grpSpPr>
+        <a:xfrm>
+          <a:off x="0" y="0"/>
+          <a:ext cx="0" cy="0"/>
+          <a:chOff x="0" y="0"/>
+          <a:chExt cx="0" cy="0"/>
+        </a:xfrm>
+      </p:grpSpPr>
+      <p:sp>
+        <p:nvSpPr>
+          <p:cNvPr id="2" name="Title 1"/>
+          <p:cNvSpPr>
+            <a:spLocks noGrp="1"/>
+          </p:cNvSpPr>
+          <p:nvPr>
+            <p:ph type="title"/>
+          </p:nvPr>
+        </p:nvSpPr>
+        <p:spPr/>
+        <p:txBody>
+          <a:bodyPr>
+            <a:normAutofit fontScale="90000"/>
+          </a:bodyPr>
+          <a:lstStyle/>
+          <a:p>
+            <a:r>
+              <a:rPr lang="en-US" dirty="0" smtClean="0">
+                <a:solidFill>
+                  <a:schemeClr val="accent6"/>
+                </a:solidFill>
+              </a:rPr>
+              <a:t/>
+            </a:r>
+            <a:br>
+              <a:rPr lang="en-US" dirty="0" smtClean="0">
+                <a:solidFill>
+                  <a:schemeClr val="accent6"/>
+                </a:solidFill>
+              </a:rPr>
+            </a:br>
+            <a:r>
+              <a:rPr lang="en-US" dirty="0">
+                <a:solidFill>
+                  <a:schemeClr val="accent6"/>
+                </a:solidFill>
+              </a:rPr>
+              <a:t/>
+            </a:r>
+            <a:br>
+              <a:rPr lang="en-US" dirty="0">
+                <a:solidFill>
+                  <a:schemeClr val="accent6"/>
+                </a:solidFill>
+              </a:rPr>
+            </a:br>
+            <a:r>
+              <a:rPr lang="en-US" dirty="0" smtClean="0">
+                <a:solidFill>
+                  <a:schemeClr val="accent6"/>
+                </a:solidFill>
+              </a:rPr>
+              <a:t/>
+            </a:r>
+            <a:br>
+              <a:rPr lang="en-US" dirty="0" smtClean="0">
+                <a:solidFill>
+                  <a:schemeClr val="accent6"/>
+                </a:solidFill>
+              </a:rPr>
+            </a:br>
+            <a:r>
+              <a:rPr lang="en-US" dirty="0" smtClean="0">
+                <a:solidFill>
+                  <a:schemeClr val="accent6"/>
+                </a:solidFill>
+              </a:rPr>
+              <a:t/>
+            </a:r>
+            <a:br>
+              <a:rPr lang="en-US" dirty="0" smtClean="0">
+                <a:solidFill>
+                  <a:schemeClr val="accent6"/>
+                </a:solidFill>
+              </a:rPr>
+            </a:br>
+            <a:r>
+              <a:rPr lang="en-US" dirty="0">
+                <a:solidFill>
+                  <a:schemeClr val="accent6"/>
+                </a:solidFill>
+              </a:rPr>
+              <a:t/>
+            </a:r>
+            <a:br>
+              <a:rPr lang="en-US" dirty="0">
+                <a:solidFill>
+                  <a:schemeClr val="accent6"/>
+                </a:solidFill>
+              </a:rPr>
+            </a:br>
+            <a:r>
+              <a:rPr lang="en-US" dirty="0" smtClean="0">
+                <a:solidFill>
+                  <a:schemeClr val="accent6"/>
+                </a:solidFill>
+              </a:rPr>
+              <a:t/>
+            </a:r>
+            <a:br>
+              <a:rPr lang="en-US" dirty="0" smtClean="0">
+                <a:solidFill>
+                  <a:schemeClr val="accent6"/>
+                </a:solidFill>
+              </a:rPr>
+            </a:br>
+            <a:r>
+              <a:rPr lang="en-US" dirty="0">
+                <a:solidFill>
+                  <a:schemeClr val="accent6"/>
+                </a:solidFill>
+              </a:rPr>
+              <a:t/>
+            </a:r>
+            <a:br>
+              <a:rPr lang="en-US" dirty="0">
+                <a:solidFill>
+                  <a:schemeClr val="accent6"/>
+                </a:solidFill>
+              </a:rPr>
+            </a:br>
+            <a:r>
+              <a:rPr lang="en-US" dirty="0" smtClean="0">
+                <a:solidFill>
+                  <a:schemeClr val="accent6"/>
+                </a:solidFill>
+              </a:rPr>
+              <a:t>Homework:</a:t>
+            </a:r>
+            <a:br>
+              <a:rPr lang="en-US" dirty="0" smtClean="0">
+                <a:solidFill>
+                  <a:schemeClr val="accent6"/>
+                </a:solidFill>
+              </a:rPr>
+            </a:br>
+            <a:r>
+              <a:rPr lang="en-US" dirty="0" smtClean="0">
+                <a:solidFill>
+                  <a:schemeClr val="accent6"/>
+                </a:solidFill>
+              </a:rPr>
+              <a:t>1. Add 3 file systems on the previous logical volumes(two ext4, one </a:t>
+            </a:r>
+            <a:r>
+              <a:rPr lang="en-US" dirty="0" err="1" smtClean="0">
+                <a:solidFill>
+                  <a:schemeClr val="accent6"/>
+                </a:solidFill>
+              </a:rPr>
+              <a:t>xfs</a:t>
+            </a:r>
+            <a:r>
+              <a:rPr lang="en-US" dirty="0" smtClean="0">
+                <a:solidFill>
+                  <a:schemeClr val="accent6"/>
+                </a:solidFill>
+              </a:rPr>
+              <a:t>) and </a:t>
+            </a:r>
+            <a:r>
+              <a:rPr lang="en-US" dirty="0" err="1" smtClean="0">
+                <a:solidFill>
+                  <a:schemeClr val="accent6"/>
+                </a:solidFill>
+              </a:rPr>
+              <a:t>moun</a:t>
+            </a:r>
+            <a:r>
+              <a:rPr lang="en-US" dirty="0" smtClean="0">
+                <a:solidFill>
+                  <a:schemeClr val="accent6"/>
+                </a:solidFill>
+              </a:rPr>
+              <a:t> them in /</a:t>
+            </a:r>
+            <a:r>
+              <a:rPr lang="en-US" dirty="0" err="1" smtClean="0">
+                <a:solidFill>
+                  <a:schemeClr val="accent6"/>
+                </a:solidFill>
+              </a:rPr>
+              <a:t>etc</a:t>
+            </a:r>
+            <a:r>
+              <a:rPr lang="en-US" dirty="0" smtClean="0">
+                <a:solidFill>
+                  <a:schemeClr val="accent6"/>
+                </a:solidFill>
+              </a:rPr>
+              <a:t>/</a:t>
+            </a:r>
+            <a:r>
+              <a:rPr lang="en-US" dirty="0" err="1" smtClean="0">
+                <a:solidFill>
+                  <a:schemeClr val="accent6"/>
+                </a:solidFill>
+              </a:rPr>
+              <a:t>fstab</a:t>
+            </a:r>
+            <a:r>
+              <a:rPr lang="en-US" dirty="0" smtClean="0">
+                <a:solidFill>
+                  <a:schemeClr val="accent6"/>
+                </a:solidFill>
+              </a:rPr>
+              <a:t>, you pick up the mounting point.</a:t>
+            </a:r>
+            <a:br>
+              <a:rPr lang="en-US" dirty="0" smtClean="0">
+                <a:solidFill>
+                  <a:schemeClr val="accent6"/>
+                </a:solidFill>
+              </a:rPr>
+            </a:br>
+            <a:r>
+              <a:rPr lang="en-US" dirty="0" smtClean="0">
+                <a:solidFill>
+                  <a:schemeClr val="accent6"/>
+                </a:solidFill>
+              </a:rPr>
+              <a:t>2. What kind of device is the logical volume according to you ? Blocking or a character ? </a:t>
+            </a:r>
+            <a:endParaRPr lang="en-US" dirty="0">
+              <a:solidFill>
+                <a:schemeClr val="accent6"/>
+              </a:solidFill>
+            </a:endParaRPr>
+          </a:p>
+        </p:txBody>
+      </p:sp>
+    </p:spTree>
+    <p:extLst>
+      <p:ext uri="{BB962C8B-B14F-4D97-AF65-F5344CB8AC3E}">
+        <p14:creationId xmlns:p14="http://schemas.microsoft.com/office/powerpoint/2010/main" val="1012983770"/>
+      </p:ext>
+    </p:extLst>
+  </p:cSld>
+  <p:clrMapOvr>
+    <a:masterClrMapping/>
+  </p:clrMapOvr>
+</p:sld>
+</file>
+
 <file path=ppt/slides/slide2.xml><?xml version="1.0" encoding="utf-8"?>
 <p:sld xmlns:a="http://schemas.openxmlformats.org/drawingml/2006/main" xmlns:r="http://schemas.openxmlformats.org/officeDocument/2006/relationships" xmlns:p="http://schemas.openxmlformats.org/presentationml/2006/main">
   <p:cSld>
@@ -4543,47 +5410,44 @@
                   <a:schemeClr val="accent6"/>
                 </a:solidFill>
               </a:rPr>
-              <a:t>Create 3 main partition and one extended</a:t>
-            </a:r>
+              <a:t>Create 3 main partition and one extended.</a:t>
+            </a:r>
+          </a:p>
+          <a:p>
             <a:r>
               <a:rPr lang="en-US" dirty="0" smtClean="0">
                 <a:solidFill>
                   <a:schemeClr val="accent6"/>
                 </a:solidFill>
               </a:rPr>
-              <a:t>.</a:t>
-            </a:r>
-          </a:p>
-          <a:p>
+              <a:t>3.   Read the manual page of ‘</a:t>
+            </a:r>
+            <a:r>
+              <a:rPr lang="en-US" dirty="0" err="1" smtClean="0">
+                <a:solidFill>
+                  <a:schemeClr val="accent6"/>
+                </a:solidFill>
+              </a:rPr>
+              <a:t>partprobe</a:t>
+            </a:r>
             <a:r>
               <a:rPr lang="en-US" dirty="0" smtClean="0">
                 <a:solidFill>
                   <a:schemeClr val="accent6"/>
                 </a:solidFill>
               </a:rPr>
-              <a:t>3.   Read the manual page of ‘</a:t>
-            </a:r>
-            <a:r>
-              <a:rPr lang="en-US" dirty="0" err="1" smtClean="0">
-                <a:solidFill>
-                  <a:schemeClr val="accent6"/>
-                </a:solidFill>
-              </a:rPr>
-              <a:t>partprobe</a:t>
-            </a:r>
+              <a:t>’.</a:t>
+            </a:r>
+          </a:p>
+          <a:p>
             <a:r>
               <a:rPr lang="en-US" dirty="0" smtClean="0">
                 <a:solidFill>
                   <a:schemeClr val="accent6"/>
                 </a:solidFill>
               </a:rPr>
-              <a:t>’.</a:t>
-            </a:r>
-            <a:endParaRPr lang="en-US" dirty="0" smtClean="0">
-              <a:solidFill>
-                <a:schemeClr val="accent6"/>
-              </a:solidFill>
-            </a:endParaRPr>
+              <a:t>4.  On the extended partition, create two more partitions.</a:t>
+            </a:r>
           </a:p>
           <a:p>
             <a:r>
@@ -4592,54 +5456,7 @@
                   <a:schemeClr val="accent6"/>
                 </a:solidFill>
               </a:rPr>
-              <a:t>4.  On </a:t>
-            </a:r>
-            <a:r>
-              <a:rPr lang="en-US" dirty="0" smtClean="0">
-                <a:solidFill>
-                  <a:schemeClr val="accent6"/>
-                </a:solidFill>
-              </a:rPr>
-              <a:t>the extended partition, create two more partitions</a:t>
-            </a:r>
-            <a:r>
-              <a:rPr lang="en-US" dirty="0" smtClean="0">
-                <a:solidFill>
-                  <a:schemeClr val="accent6"/>
-                </a:solidFill>
-              </a:rPr>
-              <a:t>.</a:t>
-            </a:r>
-            <a:endParaRPr lang="en-US" dirty="0" smtClean="0">
-              <a:solidFill>
-                <a:schemeClr val="accent6"/>
-              </a:solidFill>
-            </a:endParaRPr>
-          </a:p>
-          <a:p>
-            <a:r>
-              <a:rPr lang="en-US" dirty="0" smtClean="0">
-                <a:solidFill>
-                  <a:schemeClr val="accent6"/>
-                </a:solidFill>
-              </a:rPr>
-              <a:t>5.</a:t>
-            </a:r>
-            <a:r>
-              <a:rPr lang="en-US" dirty="0" smtClean="0">
-                <a:solidFill>
-                  <a:schemeClr val="accent6"/>
-                </a:solidFill>
-              </a:rPr>
-              <a:t>  Google </a:t>
-            </a:r>
-            <a:r>
-              <a:rPr lang="en-US" dirty="0" smtClean="0">
-                <a:solidFill>
-                  <a:schemeClr val="accent6"/>
-                </a:solidFill>
-              </a:rPr>
-              <a:t>what does a ‘swap’ partition do, create one swap partition.</a:t>
+              <a:t>5.  Google what does a ‘swap’ partition do, create one swap partition.</a:t>
             </a:r>
           </a:p>
         </p:txBody>
@@ -4857,15 +5674,7 @@
                   <a:srgbClr val="FF0000"/>
                 </a:solidFill>
               </a:rPr>
-              <a:t>Exercises</a:t>
-            </a:r>
-            <a:r>
-              <a:rPr lang="en-US" dirty="0" smtClean="0">
-                <a:solidFill>
-                  <a:srgbClr val="FF0000"/>
-                </a:solidFill>
-              </a:rPr>
-              <a:t>:</a:t>
+              <a:t>Exercises:</a:t>
             </a:r>
           </a:p>
           <a:p>
@@ -6212,6 +7021,84 @@
                 </a:solidFill>
               </a:rPr>
             </a:br>
+            <a:r>
+              <a:rPr lang="en-US" sz="2000" dirty="0" smtClean="0">
+                <a:solidFill>
+                  <a:schemeClr val="accent6"/>
+                </a:solidFill>
+              </a:rPr>
+              <a:t>In the /</a:t>
+            </a:r>
+            <a:r>
+              <a:rPr lang="en-US" sz="2000" dirty="0" err="1" smtClean="0">
+                <a:solidFill>
+                  <a:schemeClr val="accent6"/>
+                </a:solidFill>
+              </a:rPr>
+              <a:t>etc</a:t>
+            </a:r>
+            <a:r>
+              <a:rPr lang="en-US" sz="2000" dirty="0" smtClean="0">
+                <a:solidFill>
+                  <a:schemeClr val="accent6"/>
+                </a:solidFill>
+              </a:rPr>
+              <a:t>/</a:t>
+            </a:r>
+            <a:r>
+              <a:rPr lang="en-US" sz="2000" dirty="0" err="1" smtClean="0">
+                <a:solidFill>
+                  <a:schemeClr val="accent6"/>
+                </a:solidFill>
+              </a:rPr>
+              <a:t>fstab</a:t>
+            </a:r>
+            <a:r>
+              <a:rPr lang="en-US" sz="2000" dirty="0" smtClean="0">
+                <a:solidFill>
+                  <a:schemeClr val="accent6"/>
+                </a:solidFill>
+              </a:rPr>
+              <a:t> file systems will be mounted automatically on a reboot or immediately with ‘mount –</a:t>
+            </a:r>
+            <a:r>
+              <a:rPr lang="en-US" sz="2000" dirty="0" err="1" smtClean="0">
+                <a:solidFill>
+                  <a:schemeClr val="accent6"/>
+                </a:solidFill>
+              </a:rPr>
+              <a:t>a’</a:t>
+            </a:r>
+            <a:r>
+              <a:rPr lang="en-US" sz="2000" dirty="0" smtClean="0">
+                <a:solidFill>
+                  <a:schemeClr val="accent6"/>
+                </a:solidFill>
+              </a:rPr>
+              <a:t> in case you add an entry.</a:t>
+            </a:r>
+            <a:br>
+              <a:rPr lang="en-US" sz="2000" dirty="0" smtClean="0">
+                <a:solidFill>
+                  <a:schemeClr val="accent6"/>
+                </a:solidFill>
+              </a:rPr>
+            </a:br>
+            <a:r>
+              <a:rPr lang="en-US" sz="2000" dirty="0">
+                <a:solidFill>
+                  <a:schemeClr val="accent6"/>
+                </a:solidFill>
+              </a:rPr>
+              <a:t/>
+            </a:r>
+            <a:br>
+              <a:rPr lang="en-US" sz="2000" dirty="0">
+                <a:solidFill>
+                  <a:schemeClr val="accent6"/>
+                </a:solidFill>
+              </a:rPr>
+            </a:br>
             <a:endParaRPr lang="en-US" sz="2000" dirty="0">
               <a:solidFill>
                 <a:schemeClr val="accent6"/>
@@ -6220,25 +7107,209 @@
           </a:p>
         </p:txBody>
       </p:sp>
-      <p:sp>
-        <p:nvSpPr>
-          <p:cNvPr id="3" name="Content Placeholder 2"/>
-          <p:cNvSpPr>
-            <a:spLocks noGrp="1"/>
-          </p:cNvSpPr>
+      <p:graphicFrame>
+        <p:nvGraphicFramePr>
+          <p:cNvPr id="6" name="Content Placeholder 5"/>
+          <p:cNvGraphicFramePr>
+            <a:graphicFrameLocks noGrp="1"/>
+          </p:cNvGraphicFramePr>
           <p:nvPr>
             <p:ph idx="1"/>
+            <p:extLst>
+              <p:ext uri="{D42A27DB-BD31-4B8C-83A1-F6EECF244321}">
+                <p14:modId xmlns:p14="http://schemas.microsoft.com/office/powerpoint/2010/main" val="2649716246"/>
+              </p:ext>
+            </p:extLst>
           </p:nvPr>
-        </p:nvSpPr>
-        <p:spPr/>
-        <p:txBody>
-          <a:bodyPr/>
-          <a:lstStyle/>
-          <a:p>
-            <a:endParaRPr lang="en-US" dirty="0"/>
-          </a:p>
-        </p:txBody>
-      </p:sp>
+        </p:nvGraphicFramePr>
+        <p:xfrm>
+          <a:off x="1524000" y="4267199"/>
+          <a:ext cx="7239000" cy="2926080"/>
+        </p:xfrm>
+        <a:graphic>
+          <a:graphicData uri="http://schemas.openxmlformats.org/drawingml/2006/table">
+            <a:tbl>
+              <a:tblPr firstRow="1" bandRow="1">
+                <a:tableStyleId>{5C22544A-7EE6-4342-B048-85BDC9FD1C3A}</a:tableStyleId>
+              </a:tblPr>
+              <a:tblGrid>
+                <a:gridCol w="3619500"/>
+                <a:gridCol w="3619500"/>
+              </a:tblGrid>
+              <a:tr h="327660">
+                <a:tc>
+                  <a:txBody>
+                    <a:bodyPr/>
+                    <a:lstStyle/>
+                    <a:p>
+                      <a:r>
+                        <a:rPr lang="en-US" dirty="0" smtClean="0"/>
+                        <a:t>Option</a:t>
+                      </a:r>
+                      <a:endParaRPr lang="en-US" dirty="0"/>
+                    </a:p>
+                  </a:txBody>
+                  <a:tcPr/>
+                </a:tc>
+                <a:tc>
+                  <a:txBody>
+                    <a:bodyPr/>
+                    <a:lstStyle/>
+                    <a:p>
+                      <a:r>
+                        <a:rPr lang="en-US" dirty="0" smtClean="0"/>
+                        <a:t>Use</a:t>
+                      </a:r>
+                      <a:endParaRPr lang="en-US" dirty="0"/>
+                    </a:p>
+                  </a:txBody>
+                  <a:tcPr/>
+                </a:tc>
+              </a:tr>
+              <a:tr h="573405">
+                <a:tc>
+                  <a:txBody>
+                    <a:bodyPr/>
+                    <a:lstStyle/>
+                    <a:p>
+                      <a:r>
+                        <a:rPr lang="en-US" dirty="0" smtClean="0"/>
+                        <a:t>Auto/</a:t>
+                      </a:r>
+                      <a:r>
+                        <a:rPr lang="en-US" dirty="0" err="1" smtClean="0"/>
+                        <a:t>noauto</a:t>
+                      </a:r>
+                      <a:endParaRPr lang="en-US" dirty="0"/>
+                    </a:p>
+                  </a:txBody>
+                  <a:tcPr/>
+                </a:tc>
+                <a:tc>
+                  <a:txBody>
+                    <a:bodyPr/>
+                    <a:lstStyle/>
+                    <a:p>
+                      <a:r>
+                        <a:rPr lang="en-US" dirty="0" smtClean="0"/>
+                        <a:t>The file system will [not]</a:t>
+                      </a:r>
+                      <a:r>
+                        <a:rPr lang="en-US" baseline="0" dirty="0" smtClean="0"/>
+                        <a:t> be mounted automatically.</a:t>
+                      </a:r>
+                      <a:endParaRPr lang="en-US" dirty="0"/>
+                    </a:p>
+                  </a:txBody>
+                  <a:tcPr/>
+                </a:tc>
+              </a:tr>
+              <a:tr h="573405">
+                <a:tc>
+                  <a:txBody>
+                    <a:bodyPr/>
+                    <a:lstStyle/>
+                    <a:p>
+                      <a:r>
+                        <a:rPr lang="en-US" dirty="0" err="1" smtClean="0"/>
+                        <a:t>Acl</a:t>
+                      </a:r>
+                      <a:endParaRPr lang="en-US" dirty="0"/>
+                    </a:p>
+                  </a:txBody>
+                  <a:tcPr/>
+                </a:tc>
+                <a:tc>
+                  <a:txBody>
+                    <a:bodyPr/>
+                    <a:lstStyle/>
+                    <a:p>
+                      <a:r>
+                        <a:rPr lang="en-US" dirty="0" smtClean="0"/>
+                        <a:t>Adds</a:t>
+                      </a:r>
+                      <a:r>
+                        <a:rPr lang="en-US" baseline="0" dirty="0" smtClean="0"/>
+                        <a:t> support for file system access control lists.</a:t>
+                      </a:r>
+                      <a:endParaRPr lang="en-US" dirty="0"/>
+                    </a:p>
+                  </a:txBody>
+                  <a:tcPr/>
+                </a:tc>
+              </a:tr>
+              <a:tr h="573405">
+                <a:tc>
+                  <a:txBody>
+                    <a:bodyPr/>
+                    <a:lstStyle/>
+                    <a:p>
+                      <a:r>
+                        <a:rPr lang="en-US" dirty="0" smtClean="0"/>
+                        <a:t>Ro</a:t>
+                      </a:r>
+                      <a:endParaRPr lang="en-US" dirty="0"/>
+                    </a:p>
+                  </a:txBody>
+                  <a:tcPr/>
+                </a:tc>
+                <a:tc>
+                  <a:txBody>
+                    <a:bodyPr/>
+                    <a:lstStyle/>
+                    <a:p>
+                      <a:r>
+                        <a:rPr lang="en-US" dirty="0" smtClean="0"/>
+                        <a:t>Mount the file system in read-only mode.</a:t>
+                      </a:r>
+                      <a:endParaRPr lang="en-US" dirty="0"/>
+                    </a:p>
+                  </a:txBody>
+                  <a:tcPr/>
+                </a:tc>
+              </a:tr>
+              <a:tr h="573405">
+                <a:tc>
+                  <a:txBody>
+                    <a:bodyPr/>
+                    <a:lstStyle/>
+                    <a:p>
+                      <a:r>
+                        <a:rPr lang="en-US" dirty="0" smtClean="0"/>
+                        <a:t>_</a:t>
+                      </a:r>
+                      <a:r>
+                        <a:rPr lang="en-US" dirty="0" err="1" smtClean="0"/>
+                        <a:t>netdev</a:t>
+                      </a:r>
+                      <a:endParaRPr lang="en-US" dirty="0"/>
+                    </a:p>
+                  </a:txBody>
+                  <a:tcPr/>
+                </a:tc>
+                <a:tc>
+                  <a:txBody>
+                    <a:bodyPr/>
+                    <a:lstStyle/>
+                    <a:p>
+                      <a:r>
+                        <a:rPr lang="en-US" dirty="0" smtClean="0"/>
+                        <a:t>Wait</a:t>
+                      </a:r>
+                      <a:r>
+                        <a:rPr lang="en-US" baseline="0" dirty="0" smtClean="0"/>
+                        <a:t> until the network is available, before mounting this file system.</a:t>
+                      </a:r>
+                      <a:endParaRPr lang="en-US" dirty="0"/>
+                    </a:p>
+                  </a:txBody>
+                  <a:tcPr/>
+                </a:tc>
+              </a:tr>
+            </a:tbl>
+          </a:graphicData>
+        </a:graphic>
+      </p:graphicFrame>
     </p:spTree>
     <p:extLst>
       <p:ext uri="{BB962C8B-B14F-4D97-AF65-F5344CB8AC3E}">
@@ -6389,14 +7460,6 @@
               </a:rPr>
               <a:t>Once allocated the space for partition pretty much remains static, in order to overcome this some smart guys invented Logical  Volume Manager(LVM).</a:t>
             </a:r>
-            <a:r>
-              <a:rPr lang="en-US" sz="1800" dirty="0" smtClean="0">
-                <a:solidFill>
-                  <a:schemeClr val="accent6"/>
-                </a:solidFill>
-              </a:rPr>
-              <a:t/>
-            </a:r>
             <a:br>
               <a:rPr lang="en-US" sz="1800" dirty="0" smtClean="0">
                 <a:solidFill>
@@ -6504,6 +7567,225 @@
       </p:par>
     </p:tnLst>
   </p:timing>
+</p:sld>
+</file>
+
+<file path=ppt/slides/slide9.xml><?xml version="1.0" encoding="utf-8"?>
+<p:sld xmlns:a="http://schemas.openxmlformats.org/drawingml/2006/main" xmlns:r="http://schemas.openxmlformats.org/officeDocument/2006/relationships" xmlns:p="http://schemas.openxmlformats.org/presentationml/2006/main">
+  <p:cSld>
+    <p:spTree>
+      <p:nvGrpSpPr>
+        <p:cNvPr id="1" name=""/>
+        <p:cNvGrpSpPr/>
+        <p:nvPr/>
+      </p:nvGrpSpPr>
+      <p:grpSpPr>
+        <a:xfrm>
+          <a:off x="0" y="0"/>
+          <a:ext cx="0" cy="0"/>
+          <a:chOff x="0" y="0"/>
+          <a:chExt cx="0" cy="0"/>
+        </a:xfrm>
+      </p:grpSpPr>
+      <p:sp>
+        <p:nvSpPr>
+          <p:cNvPr id="2" name="Title 1"/>
+          <p:cNvSpPr>
+            <a:spLocks noGrp="1"/>
+          </p:cNvSpPr>
+          <p:nvPr>
+            <p:ph type="title"/>
+          </p:nvPr>
+        </p:nvSpPr>
+        <p:spPr/>
+        <p:txBody>
+          <a:bodyPr>
+            <a:normAutofit fontScale="90000"/>
+          </a:bodyPr>
+          <a:lstStyle/>
+          <a:p>
+            <a:r>
+              <a:rPr lang="en-US" dirty="0" smtClean="0">
+                <a:solidFill>
+                  <a:schemeClr val="accent6"/>
+                </a:solidFill>
+              </a:rPr>
+              <a:t/>
+            </a:r>
+            <a:br>
+              <a:rPr lang="en-US" dirty="0" smtClean="0">
+                <a:solidFill>
+                  <a:schemeClr val="accent6"/>
+                </a:solidFill>
+              </a:rPr>
+            </a:br>
+            <a:r>
+              <a:rPr lang="en-US" dirty="0">
+                <a:solidFill>
+                  <a:schemeClr val="accent6"/>
+                </a:solidFill>
+              </a:rPr>
+              <a:t/>
+            </a:r>
+            <a:br>
+              <a:rPr lang="en-US" dirty="0">
+                <a:solidFill>
+                  <a:schemeClr val="accent6"/>
+                </a:solidFill>
+              </a:rPr>
+            </a:br>
+            <a:r>
+              <a:rPr lang="en-US" dirty="0" smtClean="0">
+                <a:solidFill>
+                  <a:schemeClr val="accent6"/>
+                </a:solidFill>
+              </a:rPr>
+              <a:t/>
+            </a:r>
+            <a:br>
+              <a:rPr lang="en-US" dirty="0" smtClean="0">
+                <a:solidFill>
+                  <a:schemeClr val="accent6"/>
+                </a:solidFill>
+              </a:rPr>
+            </a:br>
+            <a:r>
+              <a:rPr lang="en-US" dirty="0">
+                <a:solidFill>
+                  <a:schemeClr val="accent6"/>
+                </a:solidFill>
+              </a:rPr>
+              <a:t/>
+            </a:r>
+            <a:br>
+              <a:rPr lang="en-US" dirty="0">
+                <a:solidFill>
+                  <a:schemeClr val="accent6"/>
+                </a:solidFill>
+              </a:rPr>
+            </a:br>
+            <a:r>
+              <a:rPr lang="en-US" dirty="0" smtClean="0">
+                <a:solidFill>
+                  <a:schemeClr val="accent6"/>
+                </a:solidFill>
+              </a:rPr>
+              <a:t/>
+            </a:r>
+            <a:br>
+              <a:rPr lang="en-US" dirty="0" smtClean="0">
+                <a:solidFill>
+                  <a:schemeClr val="accent6"/>
+                </a:solidFill>
+              </a:rPr>
+            </a:br>
+            <a:r>
+              <a:rPr lang="en-US" sz="1800" dirty="0" smtClean="0">
+                <a:solidFill>
+                  <a:schemeClr val="accent6"/>
+                </a:solidFill>
+              </a:rPr>
+              <a:t>On the lowest layer, the storage devices are used. These can be any storage devices, such as complete disks, partitions, logical units(LUNs) on a storage area network(SAN). The storage devices need to be flagged as physical volumes. A storage device that is a physical volume can be added to the volume group, which is the abstraction of all available storage, like a container. </a:t>
+            </a:r>
+            <a:br>
+              <a:rPr lang="en-US" sz="1800" dirty="0" smtClean="0">
+                <a:solidFill>
+                  <a:schemeClr val="accent6"/>
+                </a:solidFill>
+              </a:rPr>
+            </a:br>
+            <a:r>
+              <a:rPr lang="en-US" sz="1800" dirty="0">
+                <a:solidFill>
+                  <a:schemeClr val="accent6"/>
+                </a:solidFill>
+              </a:rPr>
+              <a:t/>
+            </a:r>
+            <a:br>
+              <a:rPr lang="en-US" sz="1800" dirty="0">
+                <a:solidFill>
+                  <a:schemeClr val="accent6"/>
+                </a:solidFill>
+              </a:rPr>
+            </a:br>
+            <a:r>
+              <a:rPr lang="en-US" sz="1800" dirty="0" smtClean="0">
+                <a:solidFill>
+                  <a:schemeClr val="accent6"/>
+                </a:solidFill>
+              </a:rPr>
+              <a:t>On the top of the volume group are the logical volumes. Logical volumes do not act on disks directly, but get their disk space from available disk space in the volume group. That means that a logical volume may consist of available storage from multiple physical volumes.</a:t>
+            </a:r>
+            <a:br>
+              <a:rPr lang="en-US" sz="1800" dirty="0" smtClean="0">
+                <a:solidFill>
+                  <a:schemeClr val="accent6"/>
+                </a:solidFill>
+              </a:rPr>
+            </a:br>
+            <a:r>
+              <a:rPr lang="en-US" sz="1800" dirty="0">
+                <a:solidFill>
+                  <a:schemeClr val="accent6"/>
+                </a:solidFill>
+              </a:rPr>
+              <a:t/>
+            </a:r>
+            <a:br>
+              <a:rPr lang="en-US" sz="1800" dirty="0">
+                <a:solidFill>
+                  <a:schemeClr val="accent6"/>
+                </a:solidFill>
+              </a:rPr>
+            </a:br>
+            <a:endParaRPr lang="en-US" sz="1800" dirty="0">
+              <a:solidFill>
+                <a:schemeClr val="accent6"/>
+              </a:solidFill>
+            </a:endParaRPr>
+          </a:p>
+        </p:txBody>
+      </p:sp>
+      <p:pic>
+        <p:nvPicPr>
+          <p:cNvPr id="4" name="Content Placeholder 3"/>
+          <p:cNvPicPr>
+            <a:picLocks noGrp="1" noChangeAspect="1"/>
+          </p:cNvPicPr>
+          <p:nvPr>
+            <p:ph idx="1"/>
+          </p:nvPr>
+        </p:nvPicPr>
+        <p:blipFill>
+          <a:blip r:embed="rId2">
+            <a:extLst>
+              <a:ext uri="{28A0092B-C50C-407E-A947-70E740481C1C}">
+                <a14:useLocalDpi xmlns:a14="http://schemas.microsoft.com/office/drawing/2010/main" val="0"/>
+              </a:ext>
+            </a:extLst>
+          </a:blip>
+          <a:stretch>
+            <a:fillRect/>
+          </a:stretch>
+        </p:blipFill>
+        <p:spPr>
+          <a:xfrm>
+            <a:off x="2667000" y="3657600"/>
+            <a:ext cx="3810000" cy="3085364"/>
+          </a:xfrm>
+        </p:spPr>
+      </p:pic>
+    </p:spTree>
+    <p:extLst>
+      <p:ext uri="{BB962C8B-B14F-4D97-AF65-F5344CB8AC3E}">
+        <p14:creationId xmlns:p14="http://schemas.microsoft.com/office/powerpoint/2010/main" val="1822703649"/>
+      </p:ext>
+    </p:extLst>
+  </p:cSld>
+  <p:clrMapOvr>
+    <a:masterClrMapping/>
+  </p:clrMapOvr>
 </p:sld>
 </file>
 
